--- a/AICTE PPT Template (1).pptx
+++ b/AICTE PPT Template (1).pptx
@@ -7038,6 +7038,10 @@
             <a:pPr marL="0" indent="0">
               <a:buNone/>
             </a:pPr>
+            <a:r>
+              <a:rPr lang="en-IN"/>
+              <a:t>https://github.com/Ishha9/Stegnography_AI</a:t>
+            </a:r>
             <a:endParaRPr lang="en-IN" dirty="0"/>
           </a:p>
         </p:txBody>
